--- a/presentations/DODN-Intents.pptx
+++ b/presentations/DODN-Intents.pptx
@@ -6,7 +6,7 @@
     <p:sldMasterId id="2147483746" r:id="rId2"/>
   </p:sldMasterIdLst>
   <p:notesMasterIdLst>
-    <p:notesMasterId r:id="rId48"/>
+    <p:notesMasterId r:id="rId49"/>
   </p:notesMasterIdLst>
   <p:sldIdLst>
     <p:sldId id="256" r:id="rId3"/>
@@ -41,19 +41,20 @@
     <p:sldId id="287" r:id="rId32"/>
     <p:sldId id="273" r:id="rId33"/>
     <p:sldId id="298" r:id="rId34"/>
-    <p:sldId id="299" r:id="rId35"/>
-    <p:sldId id="274" r:id="rId36"/>
-    <p:sldId id="300" r:id="rId37"/>
-    <p:sldId id="275" r:id="rId38"/>
-    <p:sldId id="301" r:id="rId39"/>
-    <p:sldId id="276" r:id="rId40"/>
-    <p:sldId id="277" r:id="rId41"/>
-    <p:sldId id="279" r:id="rId42"/>
-    <p:sldId id="258" r:id="rId43"/>
+    <p:sldId id="310" r:id="rId35"/>
+    <p:sldId id="299" r:id="rId36"/>
+    <p:sldId id="274" r:id="rId37"/>
+    <p:sldId id="300" r:id="rId38"/>
+    <p:sldId id="275" r:id="rId39"/>
+    <p:sldId id="301" r:id="rId40"/>
+    <p:sldId id="276" r:id="rId41"/>
+    <p:sldId id="277" r:id="rId42"/>
+    <p:sldId id="279" r:id="rId43"/>
     <p:sldId id="260" r:id="rId44"/>
-    <p:sldId id="290" r:id="rId45"/>
-    <p:sldId id="288" r:id="rId46"/>
-    <p:sldId id="266" r:id="rId47"/>
+    <p:sldId id="258" r:id="rId45"/>
+    <p:sldId id="290" r:id="rId46"/>
+    <p:sldId id="288" r:id="rId47"/>
+    <p:sldId id="266" r:id="rId48"/>
   </p:sldIdLst>
   <p:sldSz cx="9144000" cy="6858000" type="screen4x3"/>
   <p:notesSz cx="6858000" cy="9144000"/>
@@ -285,7 +286,7 @@
               <a:pPr>
                 <a:defRPr/>
               </a:pPr>
-              <a:t>7/29/12</a:t>
+              <a:t>8/4/12</a:t>
             </a:fld>
             <a:endParaRPr lang="en-US"/>
           </a:p>
@@ -1771,19 +1772,32 @@
           <a:bodyPr/>
           <a:lstStyle/>
           <a:p>
-            <a:endParaRPr lang="en-US"/>
-          </a:p>
-          <a:p>
-            <a:r>
-              <a:rPr lang="en-US"/>
-              <a:t>----- Meeting Notes (5/24/12 20:08) -----</a:t>
-            </a:r>
-          </a:p>
-          <a:p>
-            <a:r>
-              <a:rPr lang="en-US"/>
-              <a:t>what comes back in the data here? it is the location, or a small version of the image?</a:t>
-            </a:r>
+            <a:r>
+              <a:rPr lang="en-US" dirty="0" smtClean="0"/>
+              <a:t>what </a:t>
+            </a:r>
+            <a:r>
+              <a:rPr lang="en-US" dirty="0"/>
+              <a:t>comes back in the data here? it is the location, or a small version of the image</a:t>
+            </a:r>
+            <a:r>
+              <a:rPr lang="en-US" dirty="0" smtClean="0"/>
+              <a:t>? de-pends.</a:t>
+            </a:r>
+          </a:p>
+          <a:p>
+            <a:endParaRPr lang="en-US" dirty="0" smtClean="0"/>
+          </a:p>
+          <a:p>
+            <a:r>
+              <a:rPr lang="en-US" dirty="0" smtClean="0"/>
+              <a:t>Make this more specific about</a:t>
+            </a:r>
+            <a:r>
+              <a:rPr lang="en-US" baseline="0" dirty="0" smtClean="0"/>
+              <a:t> OS, version</a:t>
+            </a:r>
+            <a:endParaRPr lang="en-US" dirty="0"/>
           </a:p>
         </p:txBody>
       </p:sp>
@@ -3560,7 +3574,7 @@
           <a:p>
             <a:fld id="{0BC3CE50-7D4B-C142-B064-C9F6C9A3E45D}" type="datetimeFigureOut">
               <a:rPr lang="en-US" smtClean="0"/>
-              <a:t>7/29/12</a:t>
+              <a:t>8/4/12</a:t>
             </a:fld>
             <a:endParaRPr lang="en-US"/>
           </a:p>
@@ -3766,7 +3780,7 @@
           <a:p>
             <a:fld id="{4B2B3E9B-DCEE-FD49-93C5-CC6C06003061}" type="datetimeFigureOut">
               <a:rPr lang="en-US" smtClean="0"/>
-              <a:t>7/29/12</a:t>
+              <a:t>8/4/12</a:t>
             </a:fld>
             <a:endParaRPr lang="en-US"/>
           </a:p>
@@ -4811,6 +4825,65 @@
                 </a:schemeClr>
               </a:solidFill>
               <a:latin typeface="Arial" charset="0"/>
+            </a:endParaRPr>
+          </a:p>
+        </p:txBody>
+      </p:sp>
+      <p:sp>
+        <p:nvSpPr>
+          <p:cNvPr id="2" name="TextBox 1"/>
+          <p:cNvSpPr txBox="1"/>
+          <p:nvPr/>
+        </p:nvSpPr>
+        <p:spPr>
+          <a:xfrm>
+            <a:off x="2133600" y="4953000"/>
+            <a:ext cx="5334000" cy="830997"/>
+          </a:xfrm>
+          <a:prstGeom prst="rect">
+            <a:avLst/>
+          </a:prstGeom>
+          <a:noFill/>
+        </p:spPr>
+        <p:txBody>
+          <a:bodyPr wrap="square" rtlCol="0">
+            <a:spAutoFit/>
+          </a:bodyPr>
+          <a:lstStyle/>
+          <a:p>
+            <a:pPr algn="ctr"/>
+            <a:r>
+              <a:rPr lang="en-US" dirty="0" smtClean="0">
+                <a:solidFill>
+                  <a:schemeClr val="tx2">
+                    <a:lumMod val="50000"/>
+                  </a:schemeClr>
+                </a:solidFill>
+                <a:latin typeface="+mn-lt"/>
+              </a:rPr>
+              <a:t>St. Louis Days of .NET 2012</a:t>
+            </a:r>
+          </a:p>
+          <a:p>
+            <a:pPr algn="ctr"/>
+            <a:r>
+              <a:rPr lang="en-US" dirty="0" smtClean="0">
+                <a:solidFill>
+                  <a:schemeClr val="tx2">
+                    <a:lumMod val="50000"/>
+                  </a:schemeClr>
+                </a:solidFill>
+                <a:latin typeface="+mn-lt"/>
+              </a:rPr>
+              <a:t>very early on Saturday</a:t>
+            </a:r>
+            <a:endParaRPr lang="en-US" dirty="0">
+              <a:solidFill>
+                <a:schemeClr val="tx2">
+                  <a:lumMod val="50000"/>
+                </a:schemeClr>
+              </a:solidFill>
+              <a:latin typeface="+mn-lt"/>
             </a:endParaRPr>
           </a:p>
         </p:txBody>
@@ -13204,15 +13277,7 @@
                       </a:r>
                       <a:r>
                         <a:rPr lang="en-US" sz="2400" baseline="0" dirty="0" smtClean="0"/>
-                        <a:t>– </a:t>
-                      </a:r>
-                      <a:r>
-                        <a:rPr lang="en-US" sz="2400" baseline="0" dirty="0" smtClean="0"/>
-                        <a:t>Content </a:t>
-                      </a:r>
-                      <a:r>
-                        <a:rPr lang="en-US" sz="2400" baseline="0" dirty="0" smtClean="0"/>
-                        <a:t>URI</a:t>
+                        <a:t>– Content URI</a:t>
                       </a:r>
                       <a:endParaRPr lang="en-US" sz="2400" dirty="0"/>
                     </a:p>
@@ -13293,11 +13358,7 @@
                     <a:p>
                       <a:r>
                         <a:rPr lang="en-US" sz="2400" dirty="0" smtClean="0"/>
-                        <a:t>URI where image was saved  </a:t>
-                      </a:r>
-                      <a:r>
-                        <a:rPr lang="en-US" sz="2400" dirty="0" smtClean="0"/>
-                        <a:t>(Gingerbread)</a:t>
+                        <a:t>URI where image was saved  (Gingerbread)</a:t>
                       </a:r>
                       <a:endParaRPr lang="en-US" sz="2400" dirty="0"/>
                     </a:p>
@@ -13492,7 +13553,7 @@
         </p:blipFill>
         <p:spPr>
           <a:xfrm>
-            <a:off x="0" y="2667000"/>
+            <a:off x="0" y="3276600"/>
             <a:ext cx="9144000" cy="1248032"/>
           </a:xfrm>
           <a:prstGeom prst="rect">
@@ -13551,6 +13612,103 @@
 </file>
 
 <file path=ppt/slides/slide33.xml><?xml version="1.0" encoding="utf-8"?>
+<p:sld xmlns:a="http://schemas.openxmlformats.org/drawingml/2006/main" xmlns:r="http://schemas.openxmlformats.org/officeDocument/2006/relationships" xmlns:p="http://schemas.openxmlformats.org/presentationml/2006/main">
+  <p:cSld>
+    <p:spTree>
+      <p:nvGrpSpPr>
+        <p:cNvPr id="1" name=""/>
+        <p:cNvGrpSpPr/>
+        <p:nvPr/>
+      </p:nvGrpSpPr>
+      <p:grpSpPr>
+        <a:xfrm>
+          <a:off x="0" y="0"/>
+          <a:ext cx="0" cy="0"/>
+          <a:chOff x="0" y="0"/>
+          <a:chExt cx="0" cy="0"/>
+        </a:xfrm>
+      </p:grpSpPr>
+      <p:sp>
+        <p:nvSpPr>
+          <p:cNvPr id="7" name="Title 1"/>
+          <p:cNvSpPr>
+            <a:spLocks noGrp="1"/>
+          </p:cNvSpPr>
+          <p:nvPr>
+            <p:ph type="title"/>
+          </p:nvPr>
+        </p:nvSpPr>
+        <p:spPr/>
+        <p:txBody>
+          <a:bodyPr/>
+          <a:lstStyle/>
+          <a:p>
+            <a:r>
+              <a:rPr lang="en-US" dirty="0" smtClean="0">
+                <a:latin typeface="Arial" charset="0"/>
+              </a:rPr>
+              <a:t>Take a Picture</a:t>
+            </a:r>
+            <a:endParaRPr lang="en-US" dirty="0">
+              <a:latin typeface="Arial" charset="0"/>
+            </a:endParaRPr>
+          </a:p>
+        </p:txBody>
+      </p:sp>
+      <p:pic>
+        <p:nvPicPr>
+          <p:cNvPr id="3" name="Picture 2" descr="Screen Shot 2012-07-31 at 9.06.36 PM.png"/>
+          <p:cNvPicPr>
+            <a:picLocks noChangeAspect="1"/>
+          </p:cNvPicPr>
+          <p:nvPr/>
+        </p:nvPicPr>
+        <p:blipFill>
+          <a:blip r:embed="rId2">
+            <a:extLst>
+              <a:ext uri="{28A0092B-C50C-407E-A947-70E740481C1C}">
+                <a14:useLocalDpi xmlns:a14="http://schemas.microsoft.com/office/drawing/2010/main" val="0"/>
+              </a:ext>
+            </a:extLst>
+          </a:blip>
+          <a:stretch>
+            <a:fillRect/>
+          </a:stretch>
+        </p:blipFill>
+        <p:spPr>
+          <a:xfrm>
+            <a:off x="12700" y="2362200"/>
+            <a:ext cx="9067800" cy="2735537"/>
+          </a:xfrm>
+          <a:prstGeom prst="rect">
+            <a:avLst/>
+          </a:prstGeom>
+        </p:spPr>
+      </p:pic>
+    </p:spTree>
+    <p:extLst>
+      <p:ext uri="{BB962C8B-B14F-4D97-AF65-F5344CB8AC3E}">
+        <p14:creationId xmlns:p14="http://schemas.microsoft.com/office/powerpoint/2010/main" val="2906782093"/>
+      </p:ext>
+    </p:extLst>
+  </p:cSld>
+  <p:clrMapOvr>
+    <a:masterClrMapping/>
+  </p:clrMapOvr>
+  <p:transition xmlns:p14="http://schemas.microsoft.com/office/powerpoint/2010/main">
+    <p:wipe/>
+  </p:transition>
+  <p:timing>
+    <p:tnLst>
+      <p:par>
+        <p:cTn xmlns:p14="http://schemas.microsoft.com/office/powerpoint/2010/main" id="1" dur="indefinite" restart="never" nodeType="tmRoot"/>
+      </p:par>
+    </p:tnLst>
+  </p:timing>
+</p:sld>
+</file>
+
+<file path=ppt/slides/slide34.xml><?xml version="1.0" encoding="utf-8"?>
 <p:sld xmlns:a="http://schemas.openxmlformats.org/drawingml/2006/main" xmlns:r="http://schemas.openxmlformats.org/officeDocument/2006/relationships" xmlns:p="http://schemas.openxmlformats.org/presentationml/2006/main">
   <p:cSld>
     <p:spTree>
@@ -13643,7 +13801,7 @@
 </p:sld>
 </file>
 
-<file path=ppt/slides/slide34.xml><?xml version="1.0" encoding="utf-8"?>
+<file path=ppt/slides/slide35.xml><?xml version="1.0" encoding="utf-8"?>
 <p:sld xmlns:a="http://schemas.openxmlformats.org/drawingml/2006/main" xmlns:r="http://schemas.openxmlformats.org/officeDocument/2006/relationships" xmlns:p="http://schemas.openxmlformats.org/presentationml/2006/main">
   <p:cSld>
     <p:spTree>
@@ -13879,7 +14037,7 @@
 </p:sld>
 </file>
 
-<file path=ppt/slides/slide35.xml><?xml version="1.0" encoding="utf-8"?>
+<file path=ppt/slides/slide36.xml><?xml version="1.0" encoding="utf-8"?>
 <p:sld xmlns:a="http://schemas.openxmlformats.org/drawingml/2006/main" xmlns:r="http://schemas.openxmlformats.org/officeDocument/2006/relationships" xmlns:p="http://schemas.openxmlformats.org/presentationml/2006/main">
   <p:cSld>
     <p:spTree>
@@ -14168,7 +14326,7 @@
 </p:sld>
 </file>
 
-<file path=ppt/slides/slide36.xml><?xml version="1.0" encoding="utf-8"?>
+<file path=ppt/slides/slide37.xml><?xml version="1.0" encoding="utf-8"?>
 <p:sld xmlns:a="http://schemas.openxmlformats.org/drawingml/2006/main" xmlns:r="http://schemas.openxmlformats.org/officeDocument/2006/relationships" xmlns:p="http://schemas.openxmlformats.org/presentationml/2006/main">
   <p:cSld>
     <p:spTree>
@@ -14331,7 +14489,7 @@
 </p:sld>
 </file>
 
-<file path=ppt/slides/slide37.xml><?xml version="1.0" encoding="utf-8"?>
+<file path=ppt/slides/slide38.xml><?xml version="1.0" encoding="utf-8"?>
 <p:sld xmlns:a="http://schemas.openxmlformats.org/drawingml/2006/main" xmlns:r="http://schemas.openxmlformats.org/officeDocument/2006/relationships" xmlns:p="http://schemas.openxmlformats.org/presentationml/2006/main">
   <p:cSld>
     <p:spTree>
@@ -14424,7 +14582,7 @@
 </p:sld>
 </file>
 
-<file path=ppt/slides/slide38.xml><?xml version="1.0" encoding="utf-8"?>
+<file path=ppt/slides/slide39.xml><?xml version="1.0" encoding="utf-8"?>
 <p:sld xmlns:a="http://schemas.openxmlformats.org/drawingml/2006/main" xmlns:r="http://schemas.openxmlformats.org/officeDocument/2006/relationships" xmlns:p="http://schemas.openxmlformats.org/presentationml/2006/main">
   <p:cSld>
     <p:spTree>
@@ -14535,177 +14693,6 @@
           </a:prstGeom>
         </p:spPr>
       </p:pic>
-    </p:spTree>
-  </p:cSld>
-  <p:clrMapOvr>
-    <a:masterClrMapping/>
-  </p:clrMapOvr>
-  <p:transition xmlns:p14="http://schemas.microsoft.com/office/powerpoint/2010/main">
-    <p:wipe/>
-  </p:transition>
-  <p:timing>
-    <p:tnLst>
-      <p:par>
-        <p:cTn xmlns:p14="http://schemas.microsoft.com/office/powerpoint/2010/main" id="1" dur="indefinite" restart="never" nodeType="tmRoot"/>
-      </p:par>
-    </p:tnLst>
-  </p:timing>
-</p:sld>
-</file>
-
-<file path=ppt/slides/slide39.xml><?xml version="1.0" encoding="utf-8"?>
-<p:sld xmlns:a="http://schemas.openxmlformats.org/drawingml/2006/main" xmlns:r="http://schemas.openxmlformats.org/officeDocument/2006/relationships" xmlns:p="http://schemas.openxmlformats.org/presentationml/2006/main">
-  <p:cSld>
-    <p:spTree>
-      <p:nvGrpSpPr>
-        <p:cNvPr id="1" name=""/>
-        <p:cNvGrpSpPr/>
-        <p:nvPr/>
-      </p:nvGrpSpPr>
-      <p:grpSpPr>
-        <a:xfrm>
-          <a:off x="0" y="0"/>
-          <a:ext cx="0" cy="0"/>
-          <a:chOff x="0" y="0"/>
-          <a:chExt cx="0" cy="0"/>
-        </a:xfrm>
-      </p:grpSpPr>
-      <p:sp>
-        <p:nvSpPr>
-          <p:cNvPr id="19457" name="Title 1"/>
-          <p:cNvSpPr>
-            <a:spLocks noGrp="1"/>
-          </p:cNvSpPr>
-          <p:nvPr>
-            <p:ph type="title"/>
-          </p:nvPr>
-        </p:nvSpPr>
-        <p:spPr/>
-        <p:txBody>
-          <a:bodyPr/>
-          <a:lstStyle/>
-          <a:p>
-            <a:r>
-              <a:rPr lang="en-US">
-                <a:latin typeface="Arial" charset="0"/>
-              </a:rPr>
-              <a:t>Go to the source</a:t>
-            </a:r>
-          </a:p>
-        </p:txBody>
-      </p:sp>
-      <p:sp>
-        <p:nvSpPr>
-          <p:cNvPr id="19458" name="Content Placeholder 2"/>
-          <p:cNvSpPr>
-            <a:spLocks noGrp="1"/>
-          </p:cNvSpPr>
-          <p:nvPr>
-            <p:ph idx="1"/>
-          </p:nvPr>
-        </p:nvSpPr>
-        <p:spPr/>
-        <p:txBody>
-          <a:bodyPr/>
-          <a:lstStyle/>
-          <a:p>
-            <a:r>
-              <a:rPr lang="en-US" dirty="0" smtClean="0">
-                <a:latin typeface="Arial" charset="0"/>
-              </a:rPr>
-              <a:t>Chrome extension</a:t>
-            </a:r>
-          </a:p>
-          <a:p>
-            <a:pPr lvl="1"/>
-            <a:r>
-              <a:rPr lang="en-US" dirty="0" smtClean="0">
-                <a:latin typeface="Arial" charset="0"/>
-              </a:rPr>
-              <a:t>Android SDK Reference Search</a:t>
-            </a:r>
-          </a:p>
-          <a:p>
-            <a:pPr lvl="1"/>
-            <a:r>
-              <a:rPr lang="en-US" dirty="0" smtClean="0">
-                <a:latin typeface="Arial" charset="0"/>
-              </a:rPr>
-              <a:t>Adds “view source” link to API docs</a:t>
-            </a:r>
-          </a:p>
-          <a:p>
-            <a:r>
-              <a:rPr lang="en-US" dirty="0" smtClean="0">
-                <a:latin typeface="Arial" charset="0"/>
-              </a:rPr>
-              <a:t>Download the source yourself</a:t>
-            </a:r>
-          </a:p>
-          <a:p>
-            <a:pPr lvl="1"/>
-            <a:r>
-              <a:rPr lang="en-US" dirty="0" err="1" smtClean="0">
-                <a:latin typeface="Arial" charset="0"/>
-              </a:rPr>
-              <a:t>source.android.com</a:t>
-            </a:r>
-            <a:r>
-              <a:rPr lang="en-US" dirty="0">
-                <a:latin typeface="Arial" charset="0"/>
-              </a:rPr>
-              <a:t>/source/</a:t>
-            </a:r>
-            <a:r>
-              <a:rPr lang="en-US" dirty="0" err="1" smtClean="0">
-                <a:latin typeface="Arial" charset="0"/>
-              </a:rPr>
-              <a:t>downloading.html</a:t>
-            </a:r>
-            <a:endParaRPr lang="en-US" dirty="0" smtClean="0">
-              <a:latin typeface="Arial" charset="0"/>
-            </a:endParaRPr>
-          </a:p>
-          <a:p>
-            <a:pPr lvl="1"/>
-            <a:r>
-              <a:rPr lang="en-US" dirty="0">
-                <a:latin typeface="Arial" charset="0"/>
-              </a:rPr>
-              <a:t>“The initial sync operation will take an hour or more to complete</a:t>
-            </a:r>
-            <a:r>
-              <a:rPr lang="en-US" dirty="0" smtClean="0">
-                <a:latin typeface="Arial" charset="0"/>
-              </a:rPr>
-              <a:t>.”</a:t>
-            </a:r>
-          </a:p>
-          <a:p>
-            <a:pPr lvl="1"/>
-            <a:endParaRPr lang="en-US" dirty="0">
-              <a:latin typeface="Arial" charset="0"/>
-            </a:endParaRPr>
-          </a:p>
-          <a:p>
-            <a:r>
-              <a:rPr lang="en-US" dirty="0" err="1">
-                <a:latin typeface="Arial" charset="0"/>
-              </a:rPr>
-              <a:t>AndroidManifest.xml</a:t>
-            </a:r>
-            <a:endParaRPr lang="en-US" dirty="0">
-              <a:latin typeface="Arial" charset="0"/>
-            </a:endParaRPr>
-          </a:p>
-          <a:p>
-            <a:pPr lvl="1"/>
-            <a:endParaRPr lang="en-US" dirty="0">
-              <a:latin typeface="Arial" charset="0"/>
-            </a:endParaRPr>
-          </a:p>
-        </p:txBody>
-      </p:sp>
     </p:spTree>
   </p:cSld>
   <p:clrMapOvr>
@@ -14841,7 +14828,7 @@
       </p:grpSpPr>
       <p:sp>
         <p:nvSpPr>
-          <p:cNvPr id="21505" name="Title 1"/>
+          <p:cNvPr id="19457" name="Title 1"/>
           <p:cNvSpPr>
             <a:spLocks noGrp="1"/>
           </p:cNvSpPr>
@@ -14858,14 +14845,14 @@
               <a:rPr lang="en-US">
                 <a:latin typeface="Arial" charset="0"/>
               </a:rPr>
-              <a:t>Community Resources</a:t>
+              <a:t>Go to the source</a:t>
             </a:r>
           </a:p>
         </p:txBody>
       </p:sp>
       <p:sp>
         <p:nvSpPr>
-          <p:cNvPr id="21506" name="Content Placeholder 2"/>
+          <p:cNvPr id="19458" name="Content Placeholder 2"/>
           <p:cNvSpPr>
             <a:spLocks noGrp="1"/>
           </p:cNvSpPr>
@@ -14879,33 +14866,48 @@
           <a:lstStyle/>
           <a:p>
             <a:r>
+              <a:rPr lang="en-US" dirty="0" smtClean="0">
+                <a:latin typeface="Arial" charset="0"/>
+              </a:rPr>
+              <a:t>Chrome extension</a:t>
+            </a:r>
+          </a:p>
+          <a:p>
+            <a:pPr lvl="1"/>
+            <a:r>
+              <a:rPr lang="en-US" dirty="0" smtClean="0">
+                <a:latin typeface="Arial" charset="0"/>
+              </a:rPr>
+              <a:t>Android SDK Reference Search</a:t>
+            </a:r>
+          </a:p>
+          <a:p>
+            <a:pPr marL="457200" lvl="1" indent="0">
+              <a:buNone/>
+            </a:pPr>
+            <a:endParaRPr lang="en-US" dirty="0">
+              <a:latin typeface="Arial" charset="0"/>
+            </a:endParaRPr>
+          </a:p>
+          <a:p>
+            <a:r>
+              <a:rPr lang="en-US" dirty="0" smtClean="0">
+                <a:latin typeface="Arial" charset="0"/>
+              </a:rPr>
+              <a:t>look for: </a:t>
+            </a:r>
+            <a:r>
               <a:rPr lang="en-US" dirty="0" err="1" smtClean="0">
                 <a:latin typeface="Arial" charset="0"/>
               </a:rPr>
-              <a:t>Developer.android.com</a:t>
-            </a:r>
-            <a:endParaRPr lang="en-US" dirty="0" smtClean="0">
+              <a:t>AndroidManifest.xml</a:t>
+            </a:r>
+            <a:endParaRPr lang="en-US" dirty="0">
               <a:latin typeface="Arial" charset="0"/>
             </a:endParaRPr>
           </a:p>
           <a:p>
-            <a:r>
-              <a:rPr lang="en-US" dirty="0" err="1" smtClean="0">
-                <a:latin typeface="Arial" charset="0"/>
-              </a:rPr>
-              <a:t>StackOverflow</a:t>
-            </a:r>
-            <a:endParaRPr lang="en-US" dirty="0" smtClean="0">
-              <a:latin typeface="Arial" charset="0"/>
-            </a:endParaRPr>
-          </a:p>
-          <a:p>
-            <a:r>
-              <a:rPr lang="en-US" dirty="0" err="1" smtClean="0">
-                <a:latin typeface="Arial" charset="0"/>
-              </a:rPr>
-              <a:t>OpenIntents.org</a:t>
-            </a:r>
+            <a:pPr lvl="1"/>
             <a:endParaRPr lang="en-US" dirty="0">
               <a:latin typeface="Arial" charset="0"/>
             </a:endParaRPr>
@@ -14949,9 +14951,9 @@
       </p:grpSpPr>
       <p:sp>
         <p:nvSpPr>
-          <p:cNvPr id="22530" name="Rectangle 3"/>
+          <p:cNvPr id="21505" name="Title 1"/>
           <p:cNvSpPr>
-            <a:spLocks noGrp="1" noChangeArrowheads="1"/>
+            <a:spLocks noGrp="1"/>
           </p:cNvSpPr>
           <p:nvPr>
             <p:ph type="title"/>
@@ -14959,26 +14961,23 @@
         </p:nvSpPr>
         <p:spPr/>
         <p:txBody>
-          <a:bodyPr>
-            <a:normAutofit fontScale="90000"/>
-          </a:bodyPr>
+          <a:bodyPr/>
           <a:lstStyle/>
           <a:p>
-            <a:pPr eaLnBrk="1" hangingPunct="1"/>
-            <a:r>
-              <a:rPr lang="en-CA">
+            <a:r>
+              <a:rPr lang="en-US">
                 <a:latin typeface="Arial" charset="0"/>
               </a:rPr>
-              <a:t>Resources not accessed through intents</a:t>
+              <a:t>Community Resources</a:t>
             </a:r>
           </a:p>
         </p:txBody>
       </p:sp>
       <p:sp>
         <p:nvSpPr>
-          <p:cNvPr id="22529" name="Rectangle 2"/>
+          <p:cNvPr id="21506" name="Content Placeholder 2"/>
           <p:cNvSpPr>
-            <a:spLocks noGrp="1" noChangeArrowheads="1"/>
+            <a:spLocks noGrp="1"/>
           </p:cNvSpPr>
           <p:nvPr>
             <p:ph idx="1"/>
@@ -14989,145 +14988,37 @@
           <a:bodyPr/>
           <a:lstStyle/>
           <a:p>
-            <a:pPr eaLnBrk="1" hangingPunct="1"/>
-            <a:r>
-              <a:rPr lang="en-CA" dirty="0" err="1" smtClean="0">
+            <a:r>
+              <a:rPr lang="en-US" dirty="0" err="1" smtClean="0">
                 <a:latin typeface="Arial" charset="0"/>
               </a:rPr>
-              <a:t>MediaPlayer</a:t>
-            </a:r>
-            <a:endParaRPr lang="en-CA" dirty="0" smtClean="0">
+              <a:t>Developer.android.com</a:t>
+            </a:r>
+            <a:endParaRPr lang="en-US" dirty="0" smtClean="0">
               <a:latin typeface="Arial" charset="0"/>
             </a:endParaRPr>
           </a:p>
           <a:p>
-            <a:pPr eaLnBrk="1" hangingPunct="1"/>
-            <a:r>
-              <a:rPr lang="en-CA" dirty="0" err="1" smtClean="0">
+            <a:r>
+              <a:rPr lang="en-US" dirty="0" err="1" smtClean="0">
                 <a:latin typeface="Arial" charset="0"/>
               </a:rPr>
-              <a:t>MediaRecorder</a:t>
-            </a:r>
-            <a:endParaRPr lang="en-CA" dirty="0">
+              <a:t>StackOverflow</a:t>
+            </a:r>
+            <a:endParaRPr lang="en-US" dirty="0" smtClean="0">
               <a:latin typeface="Arial" charset="0"/>
             </a:endParaRPr>
           </a:p>
           <a:p>
-            <a:pPr eaLnBrk="1" hangingPunct="1"/>
-            <a:r>
-              <a:rPr lang="en-CA" dirty="0" err="1">
+            <a:r>
+              <a:rPr lang="en-US" dirty="0" err="1" smtClean="0">
                 <a:latin typeface="Arial" charset="0"/>
               </a:rPr>
-              <a:t>ContentProviders</a:t>
-            </a:r>
-            <a:endParaRPr lang="en-CA" dirty="0">
+              <a:t>OpenIntents.org</a:t>
+            </a:r>
+            <a:endParaRPr lang="en-US" dirty="0">
               <a:latin typeface="Arial" charset="0"/>
             </a:endParaRPr>
-          </a:p>
-          <a:p>
-            <a:pPr lvl="1" eaLnBrk="1" hangingPunct="1"/>
-            <a:r>
-              <a:rPr lang="en-CA" dirty="0" smtClean="0">
-                <a:latin typeface="Arial" charset="0"/>
-              </a:rPr>
-              <a:t>Photos and other media</a:t>
-            </a:r>
-            <a:endParaRPr lang="en-CA" dirty="0">
-              <a:latin typeface="Arial" charset="0"/>
-            </a:endParaRPr>
-          </a:p>
-          <a:p>
-            <a:pPr eaLnBrk="1" hangingPunct="1"/>
-            <a:r>
-              <a:rPr lang="en-CA" dirty="0" err="1">
-                <a:latin typeface="Arial" charset="0"/>
-              </a:rPr>
-              <a:t>SystemServices</a:t>
-            </a:r>
-            <a:endParaRPr lang="en-CA" dirty="0">
-              <a:latin typeface="Arial" charset="0"/>
-            </a:endParaRPr>
-          </a:p>
-          <a:p>
-            <a:pPr lvl="1" eaLnBrk="1" hangingPunct="1"/>
-            <a:r>
-              <a:rPr lang="en-CA" dirty="0" err="1">
-                <a:latin typeface="Arial" charset="0"/>
-              </a:rPr>
-              <a:t>LocationManager</a:t>
-            </a:r>
-            <a:endParaRPr lang="en-CA" dirty="0">
-              <a:latin typeface="Arial" charset="0"/>
-            </a:endParaRPr>
-          </a:p>
-          <a:p>
-            <a:pPr lvl="1" eaLnBrk="1" hangingPunct="1"/>
-            <a:r>
-              <a:rPr lang="en-CA" dirty="0" err="1">
-                <a:latin typeface="Arial" charset="0"/>
-              </a:rPr>
-              <a:t>SMSManager</a:t>
-            </a:r>
-            <a:endParaRPr lang="en-CA" dirty="0">
-              <a:latin typeface="Arial" charset="0"/>
-            </a:endParaRPr>
-          </a:p>
-        </p:txBody>
-      </p:sp>
-      <p:sp>
-        <p:nvSpPr>
-          <p:cNvPr id="22531" name="Rectangle 4"/>
-          <p:cNvSpPr>
-            <a:spLocks noChangeArrowheads="1"/>
-          </p:cNvSpPr>
-          <p:nvPr/>
-        </p:nvSpPr>
-        <p:spPr bwMode="auto">
-          <a:xfrm>
-            <a:off x="1219200" y="228600"/>
-            <a:ext cx="7772400" cy="457200"/>
-          </a:xfrm>
-          <a:prstGeom prst="rect">
-            <a:avLst/>
-          </a:prstGeom>
-          <a:noFill/>
-          <a:ln>
-            <a:noFill/>
-          </a:ln>
-          <a:extLst>
-            <a:ext uri="{909E8E84-426E-40dd-AFC4-6F175D3DCCD1}">
-              <a14:hiddenFill xmlns:a14="http://schemas.microsoft.com/office/drawing/2010/main">
-                <a:solidFill>
-                  <a:srgbClr val="FFFFFF"/>
-                </a:solidFill>
-              </a14:hiddenFill>
-            </a:ext>
-            <a:ext uri="{91240B29-F687-4f45-9708-019B960494DF}">
-              <a14:hiddenLine xmlns:a14="http://schemas.microsoft.com/office/drawing/2010/main" w="9525">
-                <a:solidFill>
-                  <a:srgbClr val="000000"/>
-                </a:solidFill>
-                <a:miter lim="800000"/>
-                <a:headEnd/>
-                <a:tailEnd/>
-              </a14:hiddenLine>
-            </a:ext>
-          </a:extLst>
-        </p:spPr>
-        <p:txBody>
-          <a:bodyPr anchor="ctr"/>
-          <a:lstStyle/>
-          <a:p>
-            <a:pPr algn="r"/>
-            <a:r>
-              <a:rPr lang="en-CA" sz="2000">
-                <a:solidFill>
-                  <a:srgbClr val="89A8B7"/>
-                </a:solidFill>
-                <a:latin typeface="Arial" charset="0"/>
-              </a:rPr>
-              <a:t>Presentation title</a:t>
-            </a:r>
           </a:p>
         </p:txBody>
       </p:sp>
@@ -15358,6 +15249,225 @@
 
 <file path=ppt/slides/slide43.xml><?xml version="1.0" encoding="utf-8"?>
 <p:sld xmlns:a="http://schemas.openxmlformats.org/drawingml/2006/main" xmlns:r="http://schemas.openxmlformats.org/officeDocument/2006/relationships" xmlns:p="http://schemas.openxmlformats.org/presentationml/2006/main">
+  <p:cSld>
+    <p:spTree>
+      <p:nvGrpSpPr>
+        <p:cNvPr id="1" name=""/>
+        <p:cNvGrpSpPr/>
+        <p:nvPr/>
+      </p:nvGrpSpPr>
+      <p:grpSpPr>
+        <a:xfrm>
+          <a:off x="0" y="0"/>
+          <a:ext cx="0" cy="0"/>
+          <a:chOff x="0" y="0"/>
+          <a:chExt cx="0" cy="0"/>
+        </a:xfrm>
+      </p:grpSpPr>
+      <p:sp>
+        <p:nvSpPr>
+          <p:cNvPr id="22530" name="Rectangle 3"/>
+          <p:cNvSpPr>
+            <a:spLocks noGrp="1" noChangeArrowheads="1"/>
+          </p:cNvSpPr>
+          <p:nvPr>
+            <p:ph type="title"/>
+          </p:nvPr>
+        </p:nvSpPr>
+        <p:spPr/>
+        <p:txBody>
+          <a:bodyPr>
+            <a:normAutofit fontScale="90000"/>
+          </a:bodyPr>
+          <a:lstStyle/>
+          <a:p>
+            <a:pPr eaLnBrk="1" hangingPunct="1"/>
+            <a:r>
+              <a:rPr lang="en-CA">
+                <a:latin typeface="Arial" charset="0"/>
+              </a:rPr>
+              <a:t>Resources not accessed through intents</a:t>
+            </a:r>
+          </a:p>
+        </p:txBody>
+      </p:sp>
+      <p:sp>
+        <p:nvSpPr>
+          <p:cNvPr id="22529" name="Rectangle 2"/>
+          <p:cNvSpPr>
+            <a:spLocks noGrp="1" noChangeArrowheads="1"/>
+          </p:cNvSpPr>
+          <p:nvPr>
+            <p:ph idx="1"/>
+          </p:nvPr>
+        </p:nvSpPr>
+        <p:spPr/>
+        <p:txBody>
+          <a:bodyPr/>
+          <a:lstStyle/>
+          <a:p>
+            <a:pPr eaLnBrk="1" hangingPunct="1"/>
+            <a:r>
+              <a:rPr lang="en-CA" dirty="0" err="1" smtClean="0">
+                <a:latin typeface="Arial" charset="0"/>
+              </a:rPr>
+              <a:t>MediaPlayer</a:t>
+            </a:r>
+            <a:endParaRPr lang="en-CA" dirty="0" smtClean="0">
+              <a:latin typeface="Arial" charset="0"/>
+            </a:endParaRPr>
+          </a:p>
+          <a:p>
+            <a:pPr eaLnBrk="1" hangingPunct="1"/>
+            <a:r>
+              <a:rPr lang="en-CA" dirty="0" err="1" smtClean="0">
+                <a:latin typeface="Arial" charset="0"/>
+              </a:rPr>
+              <a:t>MediaRecorder</a:t>
+            </a:r>
+            <a:endParaRPr lang="en-CA" dirty="0">
+              <a:latin typeface="Arial" charset="0"/>
+            </a:endParaRPr>
+          </a:p>
+          <a:p>
+            <a:pPr eaLnBrk="1" hangingPunct="1"/>
+            <a:r>
+              <a:rPr lang="en-CA" dirty="0" err="1">
+                <a:latin typeface="Arial" charset="0"/>
+              </a:rPr>
+              <a:t>ContentProviders</a:t>
+            </a:r>
+            <a:endParaRPr lang="en-CA" dirty="0">
+              <a:latin typeface="Arial" charset="0"/>
+            </a:endParaRPr>
+          </a:p>
+          <a:p>
+            <a:pPr lvl="1" eaLnBrk="1" hangingPunct="1"/>
+            <a:r>
+              <a:rPr lang="en-CA" dirty="0" smtClean="0">
+                <a:latin typeface="Arial" charset="0"/>
+              </a:rPr>
+              <a:t>Photos and other media</a:t>
+            </a:r>
+            <a:endParaRPr lang="en-CA" dirty="0">
+              <a:latin typeface="Arial" charset="0"/>
+            </a:endParaRPr>
+          </a:p>
+          <a:p>
+            <a:pPr eaLnBrk="1" hangingPunct="1"/>
+            <a:r>
+              <a:rPr lang="en-CA" dirty="0" err="1">
+                <a:latin typeface="Arial" charset="0"/>
+              </a:rPr>
+              <a:t>SystemServices</a:t>
+            </a:r>
+            <a:endParaRPr lang="en-CA" dirty="0">
+              <a:latin typeface="Arial" charset="0"/>
+            </a:endParaRPr>
+          </a:p>
+          <a:p>
+            <a:pPr lvl="1" eaLnBrk="1" hangingPunct="1"/>
+            <a:r>
+              <a:rPr lang="en-CA" dirty="0" err="1">
+                <a:latin typeface="Arial" charset="0"/>
+              </a:rPr>
+              <a:t>LocationManager</a:t>
+            </a:r>
+            <a:endParaRPr lang="en-CA" dirty="0">
+              <a:latin typeface="Arial" charset="0"/>
+            </a:endParaRPr>
+          </a:p>
+          <a:p>
+            <a:pPr lvl="1" eaLnBrk="1" hangingPunct="1"/>
+            <a:r>
+              <a:rPr lang="en-CA" dirty="0" err="1">
+                <a:latin typeface="Arial" charset="0"/>
+              </a:rPr>
+              <a:t>SMSManager</a:t>
+            </a:r>
+            <a:endParaRPr lang="en-CA" dirty="0">
+              <a:latin typeface="Arial" charset="0"/>
+            </a:endParaRPr>
+          </a:p>
+        </p:txBody>
+      </p:sp>
+      <p:sp>
+        <p:nvSpPr>
+          <p:cNvPr id="22531" name="Rectangle 4"/>
+          <p:cNvSpPr>
+            <a:spLocks noChangeArrowheads="1"/>
+          </p:cNvSpPr>
+          <p:nvPr/>
+        </p:nvSpPr>
+        <p:spPr bwMode="auto">
+          <a:xfrm>
+            <a:off x="1219200" y="228600"/>
+            <a:ext cx="7772400" cy="457200"/>
+          </a:xfrm>
+          <a:prstGeom prst="rect">
+            <a:avLst/>
+          </a:prstGeom>
+          <a:noFill/>
+          <a:ln>
+            <a:noFill/>
+          </a:ln>
+          <a:extLst>
+            <a:ext uri="{909E8E84-426E-40dd-AFC4-6F175D3DCCD1}">
+              <a14:hiddenFill xmlns:a14="http://schemas.microsoft.com/office/drawing/2010/main">
+                <a:solidFill>
+                  <a:srgbClr val="FFFFFF"/>
+                </a:solidFill>
+              </a14:hiddenFill>
+            </a:ext>
+            <a:ext uri="{91240B29-F687-4f45-9708-019B960494DF}">
+              <a14:hiddenLine xmlns:a14="http://schemas.microsoft.com/office/drawing/2010/main" w="9525">
+                <a:solidFill>
+                  <a:srgbClr val="000000"/>
+                </a:solidFill>
+                <a:miter lim="800000"/>
+                <a:headEnd/>
+                <a:tailEnd/>
+              </a14:hiddenLine>
+            </a:ext>
+          </a:extLst>
+        </p:spPr>
+        <p:txBody>
+          <a:bodyPr anchor="ctr"/>
+          <a:lstStyle/>
+          <a:p>
+            <a:pPr algn="r"/>
+            <a:r>
+              <a:rPr lang="en-CA" sz="2000">
+                <a:solidFill>
+                  <a:srgbClr val="89A8B7"/>
+                </a:solidFill>
+                <a:latin typeface="Arial" charset="0"/>
+              </a:rPr>
+              <a:t>Presentation title</a:t>
+            </a:r>
+          </a:p>
+        </p:txBody>
+      </p:sp>
+    </p:spTree>
+  </p:cSld>
+  <p:clrMapOvr>
+    <a:masterClrMapping/>
+  </p:clrMapOvr>
+  <p:transition xmlns:p14="http://schemas.microsoft.com/office/powerpoint/2010/main">
+    <p:wipe/>
+  </p:transition>
+  <p:timing>
+    <p:tnLst>
+      <p:par>
+        <p:cTn xmlns:p14="http://schemas.microsoft.com/office/powerpoint/2010/main" id="1" dur="indefinite" restart="never" nodeType="tmRoot"/>
+      </p:par>
+    </p:tnLst>
+  </p:timing>
+</p:sld>
+</file>
+
+<file path=ppt/slides/slide44.xml><?xml version="1.0" encoding="utf-8"?>
+<p:sld xmlns:a="http://schemas.openxmlformats.org/drawingml/2006/main" xmlns:r="http://schemas.openxmlformats.org/officeDocument/2006/relationships" xmlns:p="http://schemas.openxmlformats.org/presentationml/2006/main" show="0">
   <p:cSld>
     <p:spTree>
       <p:nvGrpSpPr>
@@ -15764,8 +15874,8 @@
 </p:sld>
 </file>
 
-<file path=ppt/slides/slide44.xml><?xml version="1.0" encoding="utf-8"?>
-<p:sld xmlns:a="http://schemas.openxmlformats.org/drawingml/2006/main" xmlns:r="http://schemas.openxmlformats.org/officeDocument/2006/relationships" xmlns:p="http://schemas.openxmlformats.org/presentationml/2006/main">
+<file path=ppt/slides/slide45.xml><?xml version="1.0" encoding="utf-8"?>
+<p:sld xmlns:a="http://schemas.openxmlformats.org/drawingml/2006/main" xmlns:r="http://schemas.openxmlformats.org/officeDocument/2006/relationships" xmlns:p="http://schemas.openxmlformats.org/presentationml/2006/main" show="0">
   <p:cSld>
     <p:spTree>
       <p:nvGrpSpPr>
@@ -15921,8 +16031,8 @@
 </p:sld>
 </file>
 
-<file path=ppt/slides/slide45.xml><?xml version="1.0" encoding="utf-8"?>
-<p:sld xmlns:a="http://schemas.openxmlformats.org/drawingml/2006/main" xmlns:r="http://schemas.openxmlformats.org/officeDocument/2006/relationships" xmlns:p="http://schemas.openxmlformats.org/presentationml/2006/main">
+<file path=ppt/slides/slide46.xml><?xml version="1.0" encoding="utf-8"?>
+<p:sld xmlns:a="http://schemas.openxmlformats.org/drawingml/2006/main" xmlns:r="http://schemas.openxmlformats.org/officeDocument/2006/relationships" xmlns:p="http://schemas.openxmlformats.org/presentationml/2006/main" show="0">
   <p:cSld>
     <p:spTree>
       <p:nvGrpSpPr>
@@ -16702,6 +16812,13 @@
   <p:transition xmlns:p14="http://schemas.microsoft.com/office/powerpoint/2010/main">
     <p:wipe/>
   </p:transition>
+  <p:timing>
+    <p:tnLst>
+      <p:par>
+        <p:cTn xmlns:p14="http://schemas.microsoft.com/office/powerpoint/2010/main" id="1" dur="indefinite" restart="never" nodeType="tmRoot"/>
+      </p:par>
+    </p:tnLst>
+  </p:timing>
 </p:sld>
 </file>
 
@@ -18727,7 +18844,7 @@
 </file>
 
 <file path=ppt/slides/slide9.xml><?xml version="1.0" encoding="utf-8"?>
-<p:sld xmlns:a="http://schemas.openxmlformats.org/drawingml/2006/main" xmlns:r="http://schemas.openxmlformats.org/officeDocument/2006/relationships" xmlns:p="http://schemas.openxmlformats.org/presentationml/2006/main">
+<p:sld xmlns:a="http://schemas.openxmlformats.org/drawingml/2006/main" xmlns:r="http://schemas.openxmlformats.org/officeDocument/2006/relationships" xmlns:p="http://schemas.openxmlformats.org/presentationml/2006/main" show="0">
   <p:cSld>
     <p:spTree>
       <p:nvGrpSpPr>
